--- a/20190923 [강태영] 트리 첫단 구상 PPT.pptx
+++ b/20190923 [강태영] 트리 첫단 구상 PPT.pptx
@@ -7,18 +7,19 @@
   <p:sldIdLst>
     <p:sldId id="256" r:id="rId2"/>
     <p:sldId id="257" r:id="rId3"/>
+    <p:sldId id="258" r:id="rId4"/>
   </p:sldIdLst>
   <p:sldSz cx="12192000" cy="6858000"/>
   <p:notesSz cx="6858000" cy="9144000"/>
   <p:embeddedFontLst>
     <p:embeddedFont>
       <p:font typeface="SpoqaHanSans-Bold" panose="020B0800000000000000" pitchFamily="50" charset="-127"/>
-      <p:bold r:id="rId4"/>
+      <p:bold r:id="rId5"/>
     </p:embeddedFont>
     <p:embeddedFont>
       <p:font typeface="맑은 고딕" panose="020B0503020000020004" pitchFamily="50" charset="-127"/>
-      <p:regular r:id="rId5"/>
-      <p:bold r:id="rId6"/>
+      <p:regular r:id="rId6"/>
+      <p:bold r:id="rId7"/>
     </p:embeddedFont>
   </p:embeddedFontLst>
   <p:defaultTextStyle>
@@ -5476,6 +5477,726 @@
 </p:sld>
 </file>
 
+<file path=ppt/slides/slide3.xml><?xml version="1.0" encoding="utf-8"?>
+<p:sld xmlns:a="http://schemas.openxmlformats.org/drawingml/2006/main" xmlns:r="http://schemas.openxmlformats.org/officeDocument/2006/relationships" xmlns:p="http://schemas.openxmlformats.org/presentationml/2006/main">
+  <p:cSld>
+    <p:spTree>
+      <p:nvGrpSpPr>
+        <p:cNvPr id="1" name=""/>
+        <p:cNvGrpSpPr/>
+        <p:nvPr/>
+      </p:nvGrpSpPr>
+      <p:grpSpPr>
+        <a:xfrm>
+          <a:off x="0" y="0"/>
+          <a:ext cx="0" cy="0"/>
+          <a:chOff x="0" y="0"/>
+          <a:chExt cx="0" cy="0"/>
+        </a:xfrm>
+      </p:grpSpPr>
+      <p:sp>
+        <p:nvSpPr>
+          <p:cNvPr id="4" name="직사각형 3">
+            <a:extLst>
+              <a:ext uri="{FF2B5EF4-FFF2-40B4-BE49-F238E27FC236}">
+                <a16:creationId xmlns:a16="http://schemas.microsoft.com/office/drawing/2014/main" id="{35EA0113-F290-4A28-83C0-9EFA12C22970}"/>
+              </a:ext>
+            </a:extLst>
+          </p:cNvPr>
+          <p:cNvSpPr/>
+          <p:nvPr/>
+        </p:nvSpPr>
+        <p:spPr>
+          <a:xfrm>
+            <a:off x="133349" y="257175"/>
+            <a:ext cx="2905125" cy="495300"/>
+          </a:xfrm>
+          <a:prstGeom prst="rect">
+            <a:avLst/>
+          </a:prstGeom>
+          <a:noFill/>
+          <a:ln w="57150">
+            <a:solidFill>
+              <a:schemeClr val="tx1"/>
+            </a:solidFill>
+          </a:ln>
+        </p:spPr>
+        <p:style>
+          <a:lnRef idx="2">
+            <a:schemeClr val="accent1">
+              <a:shade val="50000"/>
+            </a:schemeClr>
+          </a:lnRef>
+          <a:fillRef idx="1">
+            <a:schemeClr val="accent1"/>
+          </a:fillRef>
+          <a:effectRef idx="0">
+            <a:schemeClr val="accent1"/>
+          </a:effectRef>
+          <a:fontRef idx="minor">
+            <a:schemeClr val="lt1"/>
+          </a:fontRef>
+        </p:style>
+        <p:txBody>
+          <a:bodyPr rtlCol="0" anchor="ctr"/>
+          <a:lstStyle/>
+          <a:p>
+            <a:pPr algn="ctr"/>
+            <a:r>
+              <a:rPr lang="ko-KR" altLang="en-US" sz="2400" dirty="0">
+                <a:solidFill>
+                  <a:sysClr val="windowText" lastClr="000000"/>
+                </a:solidFill>
+                <a:latin typeface="SpoqaHanSans-Bold" panose="020B0800000000000000" pitchFamily="50" charset="-127"/>
+                <a:ea typeface="SpoqaHanSans-Bold" panose="020B0800000000000000" pitchFamily="50" charset="-127"/>
+              </a:rPr>
+              <a:t>열이 나나요</a:t>
+            </a:r>
+            <a:r>
+              <a:rPr lang="en-US" altLang="ko-KR" sz="2400" dirty="0">
+                <a:solidFill>
+                  <a:sysClr val="windowText" lastClr="000000"/>
+                </a:solidFill>
+                <a:latin typeface="SpoqaHanSans-Bold" panose="020B0800000000000000" pitchFamily="50" charset="-127"/>
+                <a:ea typeface="SpoqaHanSans-Bold" panose="020B0800000000000000" pitchFamily="50" charset="-127"/>
+              </a:rPr>
+              <a:t>?</a:t>
+            </a:r>
+            <a:endParaRPr lang="ko-KR" altLang="en-US" sz="2400" dirty="0">
+              <a:solidFill>
+                <a:sysClr val="windowText" lastClr="000000"/>
+              </a:solidFill>
+              <a:latin typeface="SpoqaHanSans-Bold" panose="020B0800000000000000" pitchFamily="50" charset="-127"/>
+              <a:ea typeface="SpoqaHanSans-Bold" panose="020B0800000000000000" pitchFamily="50" charset="-127"/>
+            </a:endParaRPr>
+          </a:p>
+        </p:txBody>
+      </p:sp>
+      <p:sp>
+        <p:nvSpPr>
+          <p:cNvPr id="5" name="직사각형 4">
+            <a:extLst>
+              <a:ext uri="{FF2B5EF4-FFF2-40B4-BE49-F238E27FC236}">
+                <a16:creationId xmlns:a16="http://schemas.microsoft.com/office/drawing/2014/main" id="{8D714A0A-2FA4-49DE-8F6B-30FB45E5EBB8}"/>
+              </a:ext>
+            </a:extLst>
+          </p:cNvPr>
+          <p:cNvSpPr/>
+          <p:nvPr/>
+        </p:nvSpPr>
+        <p:spPr>
+          <a:xfrm>
+            <a:off x="133349" y="904875"/>
+            <a:ext cx="2905125" cy="495300"/>
+          </a:xfrm>
+          <a:prstGeom prst="rect">
+            <a:avLst/>
+          </a:prstGeom>
+          <a:noFill/>
+          <a:ln w="57150">
+            <a:solidFill>
+              <a:schemeClr val="tx1"/>
+            </a:solidFill>
+          </a:ln>
+        </p:spPr>
+        <p:style>
+          <a:lnRef idx="2">
+            <a:schemeClr val="accent1">
+              <a:shade val="50000"/>
+            </a:schemeClr>
+          </a:lnRef>
+          <a:fillRef idx="1">
+            <a:schemeClr val="accent1"/>
+          </a:fillRef>
+          <a:effectRef idx="0">
+            <a:schemeClr val="accent1"/>
+          </a:effectRef>
+          <a:fontRef idx="minor">
+            <a:schemeClr val="lt1"/>
+          </a:fontRef>
+        </p:style>
+        <p:txBody>
+          <a:bodyPr rtlCol="0" anchor="ctr"/>
+          <a:lstStyle/>
+          <a:p>
+            <a:pPr algn="ctr"/>
+            <a:r>
+              <a:rPr lang="ko-KR" altLang="en-US" sz="2400" dirty="0">
+                <a:solidFill>
+                  <a:sysClr val="windowText" lastClr="000000"/>
+                </a:solidFill>
+                <a:latin typeface="SpoqaHanSans-Bold" panose="020B0800000000000000" pitchFamily="50" charset="-127"/>
+                <a:ea typeface="SpoqaHanSans-Bold" panose="020B0800000000000000" pitchFamily="50" charset="-127"/>
+              </a:rPr>
+              <a:t>언제부터 </a:t>
+            </a:r>
+            <a:r>
+              <a:rPr lang="ko-KR" altLang="en-US" sz="2400" dirty="0" err="1">
+                <a:solidFill>
+                  <a:sysClr val="windowText" lastClr="000000"/>
+                </a:solidFill>
+                <a:latin typeface="SpoqaHanSans-Bold" panose="020B0800000000000000" pitchFamily="50" charset="-127"/>
+                <a:ea typeface="SpoqaHanSans-Bold" panose="020B0800000000000000" pitchFamily="50" charset="-127"/>
+              </a:rPr>
+              <a:t>아팠나요</a:t>
+            </a:r>
+            <a:r>
+              <a:rPr lang="en-US" altLang="ko-KR" sz="2400" dirty="0">
+                <a:solidFill>
+                  <a:sysClr val="windowText" lastClr="000000"/>
+                </a:solidFill>
+                <a:latin typeface="SpoqaHanSans-Bold" panose="020B0800000000000000" pitchFamily="50" charset="-127"/>
+                <a:ea typeface="SpoqaHanSans-Bold" panose="020B0800000000000000" pitchFamily="50" charset="-127"/>
+              </a:rPr>
+              <a:t>?</a:t>
+            </a:r>
+            <a:endParaRPr lang="ko-KR" altLang="en-US" sz="2400" dirty="0">
+              <a:solidFill>
+                <a:sysClr val="windowText" lastClr="000000"/>
+              </a:solidFill>
+              <a:latin typeface="SpoqaHanSans-Bold" panose="020B0800000000000000" pitchFamily="50" charset="-127"/>
+              <a:ea typeface="SpoqaHanSans-Bold" panose="020B0800000000000000" pitchFamily="50" charset="-127"/>
+            </a:endParaRPr>
+          </a:p>
+        </p:txBody>
+      </p:sp>
+      <p:sp>
+        <p:nvSpPr>
+          <p:cNvPr id="6" name="직사각형 5">
+            <a:extLst>
+              <a:ext uri="{FF2B5EF4-FFF2-40B4-BE49-F238E27FC236}">
+                <a16:creationId xmlns:a16="http://schemas.microsoft.com/office/drawing/2014/main" id="{FDE94837-FEB1-4A85-81BD-90D08ADE267D}"/>
+              </a:ext>
+            </a:extLst>
+          </p:cNvPr>
+          <p:cNvSpPr/>
+          <p:nvPr/>
+        </p:nvSpPr>
+        <p:spPr>
+          <a:xfrm>
+            <a:off x="133349" y="1552575"/>
+            <a:ext cx="2905125" cy="495300"/>
+          </a:xfrm>
+          <a:prstGeom prst="rect">
+            <a:avLst/>
+          </a:prstGeom>
+          <a:noFill/>
+          <a:ln w="57150">
+            <a:solidFill>
+              <a:schemeClr val="tx1"/>
+            </a:solidFill>
+          </a:ln>
+        </p:spPr>
+        <p:style>
+          <a:lnRef idx="2">
+            <a:schemeClr val="accent1">
+              <a:shade val="50000"/>
+            </a:schemeClr>
+          </a:lnRef>
+          <a:fillRef idx="1">
+            <a:schemeClr val="accent1"/>
+          </a:fillRef>
+          <a:effectRef idx="0">
+            <a:schemeClr val="accent1"/>
+          </a:effectRef>
+          <a:fontRef idx="minor">
+            <a:schemeClr val="lt1"/>
+          </a:fontRef>
+        </p:style>
+        <p:txBody>
+          <a:bodyPr rtlCol="0" anchor="ctr"/>
+          <a:lstStyle/>
+          <a:p>
+            <a:pPr algn="ctr"/>
+            <a:r>
+              <a:rPr lang="ko-KR" altLang="en-US" sz="2400" dirty="0">
+                <a:solidFill>
+                  <a:sysClr val="windowText" lastClr="000000"/>
+                </a:solidFill>
+                <a:latin typeface="SpoqaHanSans-Bold" panose="020B0800000000000000" pitchFamily="50" charset="-127"/>
+                <a:ea typeface="SpoqaHanSans-Bold" panose="020B0800000000000000" pitchFamily="50" charset="-127"/>
+              </a:rPr>
+              <a:t>술을 드셨나요</a:t>
+            </a:r>
+            <a:r>
+              <a:rPr lang="en-US" altLang="ko-KR" sz="2400" dirty="0">
+                <a:solidFill>
+                  <a:sysClr val="windowText" lastClr="000000"/>
+                </a:solidFill>
+                <a:latin typeface="SpoqaHanSans-Bold" panose="020B0800000000000000" pitchFamily="50" charset="-127"/>
+                <a:ea typeface="SpoqaHanSans-Bold" panose="020B0800000000000000" pitchFamily="50" charset="-127"/>
+              </a:rPr>
+              <a:t>?</a:t>
+            </a:r>
+            <a:endParaRPr lang="ko-KR" altLang="en-US" sz="2400" dirty="0">
+              <a:solidFill>
+                <a:sysClr val="windowText" lastClr="000000"/>
+              </a:solidFill>
+              <a:latin typeface="SpoqaHanSans-Bold" panose="020B0800000000000000" pitchFamily="50" charset="-127"/>
+              <a:ea typeface="SpoqaHanSans-Bold" panose="020B0800000000000000" pitchFamily="50" charset="-127"/>
+            </a:endParaRPr>
+          </a:p>
+        </p:txBody>
+      </p:sp>
+      <p:sp>
+        <p:nvSpPr>
+          <p:cNvPr id="7" name="직사각형 6">
+            <a:extLst>
+              <a:ext uri="{FF2B5EF4-FFF2-40B4-BE49-F238E27FC236}">
+                <a16:creationId xmlns:a16="http://schemas.microsoft.com/office/drawing/2014/main" id="{F54C84AA-37D2-49CA-8339-FE7854C09838}"/>
+              </a:ext>
+            </a:extLst>
+          </p:cNvPr>
+          <p:cNvSpPr/>
+          <p:nvPr/>
+        </p:nvSpPr>
+        <p:spPr>
+          <a:xfrm>
+            <a:off x="4199333" y="1552575"/>
+            <a:ext cx="3819525" cy="495300"/>
+          </a:xfrm>
+          <a:prstGeom prst="rect">
+            <a:avLst/>
+          </a:prstGeom>
+          <a:noFill/>
+          <a:ln w="57150">
+            <a:solidFill>
+              <a:schemeClr val="tx1"/>
+            </a:solidFill>
+          </a:ln>
+        </p:spPr>
+        <p:style>
+          <a:lnRef idx="2">
+            <a:schemeClr val="accent1">
+              <a:shade val="50000"/>
+            </a:schemeClr>
+          </a:lnRef>
+          <a:fillRef idx="1">
+            <a:schemeClr val="accent1"/>
+          </a:fillRef>
+          <a:effectRef idx="0">
+            <a:schemeClr val="accent1"/>
+          </a:effectRef>
+          <a:fontRef idx="minor">
+            <a:schemeClr val="lt1"/>
+          </a:fontRef>
+        </p:style>
+        <p:txBody>
+          <a:bodyPr rtlCol="0" anchor="ctr"/>
+          <a:lstStyle/>
+          <a:p>
+            <a:pPr algn="ctr"/>
+            <a:r>
+              <a:rPr lang="ko-KR" altLang="en-US" sz="2400" dirty="0" err="1">
+                <a:solidFill>
+                  <a:sysClr val="windowText" lastClr="000000"/>
+                </a:solidFill>
+                <a:latin typeface="SpoqaHanSans-Bold" panose="020B0800000000000000" pitchFamily="50" charset="-127"/>
+                <a:ea typeface="SpoqaHanSans-Bold" panose="020B0800000000000000" pitchFamily="50" charset="-127"/>
+              </a:rPr>
+              <a:t>취할정도로</a:t>
+            </a:r>
+            <a:r>
+              <a:rPr lang="ko-KR" altLang="en-US" sz="2400" dirty="0">
+                <a:solidFill>
+                  <a:sysClr val="windowText" lastClr="000000"/>
+                </a:solidFill>
+                <a:latin typeface="SpoqaHanSans-Bold" panose="020B0800000000000000" pitchFamily="50" charset="-127"/>
+                <a:ea typeface="SpoqaHanSans-Bold" panose="020B0800000000000000" pitchFamily="50" charset="-127"/>
+              </a:rPr>
+              <a:t> 많이 드셨나요</a:t>
+            </a:r>
+            <a:r>
+              <a:rPr lang="en-US" altLang="ko-KR" sz="2400" dirty="0">
+                <a:solidFill>
+                  <a:sysClr val="windowText" lastClr="000000"/>
+                </a:solidFill>
+                <a:latin typeface="SpoqaHanSans-Bold" panose="020B0800000000000000" pitchFamily="50" charset="-127"/>
+                <a:ea typeface="SpoqaHanSans-Bold" panose="020B0800000000000000" pitchFamily="50" charset="-127"/>
+              </a:rPr>
+              <a:t>?</a:t>
+            </a:r>
+            <a:endParaRPr lang="ko-KR" altLang="en-US" sz="2400" dirty="0">
+              <a:solidFill>
+                <a:sysClr val="windowText" lastClr="000000"/>
+              </a:solidFill>
+              <a:latin typeface="SpoqaHanSans-Bold" panose="020B0800000000000000" pitchFamily="50" charset="-127"/>
+              <a:ea typeface="SpoqaHanSans-Bold" panose="020B0800000000000000" pitchFamily="50" charset="-127"/>
+            </a:endParaRPr>
+          </a:p>
+        </p:txBody>
+      </p:sp>
+      <p:sp>
+        <p:nvSpPr>
+          <p:cNvPr id="8" name="직사각형 7">
+            <a:extLst>
+              <a:ext uri="{FF2B5EF4-FFF2-40B4-BE49-F238E27FC236}">
+                <a16:creationId xmlns:a16="http://schemas.microsoft.com/office/drawing/2014/main" id="{ECD1F1F3-6D17-4354-AD2B-95467D1295BD}"/>
+              </a:ext>
+            </a:extLst>
+          </p:cNvPr>
+          <p:cNvSpPr/>
+          <p:nvPr/>
+        </p:nvSpPr>
+        <p:spPr>
+          <a:xfrm>
+            <a:off x="133349" y="2209800"/>
+            <a:ext cx="2905125" cy="495300"/>
+          </a:xfrm>
+          <a:prstGeom prst="rect">
+            <a:avLst/>
+          </a:prstGeom>
+          <a:noFill/>
+          <a:ln w="57150">
+            <a:solidFill>
+              <a:schemeClr val="tx1"/>
+            </a:solidFill>
+          </a:ln>
+        </p:spPr>
+        <p:style>
+          <a:lnRef idx="2">
+            <a:schemeClr val="accent1">
+              <a:shade val="50000"/>
+            </a:schemeClr>
+          </a:lnRef>
+          <a:fillRef idx="1">
+            <a:schemeClr val="accent1"/>
+          </a:fillRef>
+          <a:effectRef idx="0">
+            <a:schemeClr val="accent1"/>
+          </a:effectRef>
+          <a:fontRef idx="minor">
+            <a:schemeClr val="lt1"/>
+          </a:fontRef>
+        </p:style>
+        <p:txBody>
+          <a:bodyPr rtlCol="0" anchor="ctr"/>
+          <a:lstStyle/>
+          <a:p>
+            <a:pPr algn="ctr"/>
+            <a:r>
+              <a:rPr lang="ko-KR" altLang="en-US" sz="2400" dirty="0">
+                <a:solidFill>
+                  <a:sysClr val="windowText" lastClr="000000"/>
+                </a:solidFill>
+                <a:latin typeface="SpoqaHanSans-Bold" panose="020B0800000000000000" pitchFamily="50" charset="-127"/>
+                <a:ea typeface="SpoqaHanSans-Bold" panose="020B0800000000000000" pitchFamily="50" charset="-127"/>
+              </a:rPr>
+              <a:t>설사도 하시나요</a:t>
+            </a:r>
+            <a:r>
+              <a:rPr lang="en-US" altLang="ko-KR" sz="2400" dirty="0">
+                <a:solidFill>
+                  <a:sysClr val="windowText" lastClr="000000"/>
+                </a:solidFill>
+                <a:latin typeface="SpoqaHanSans-Bold" panose="020B0800000000000000" pitchFamily="50" charset="-127"/>
+                <a:ea typeface="SpoqaHanSans-Bold" panose="020B0800000000000000" pitchFamily="50" charset="-127"/>
+              </a:rPr>
+              <a:t>?</a:t>
+            </a:r>
+            <a:endParaRPr lang="ko-KR" altLang="en-US" sz="2400" dirty="0">
+              <a:solidFill>
+                <a:sysClr val="windowText" lastClr="000000"/>
+              </a:solidFill>
+              <a:latin typeface="SpoqaHanSans-Bold" panose="020B0800000000000000" pitchFamily="50" charset="-127"/>
+              <a:ea typeface="SpoqaHanSans-Bold" panose="020B0800000000000000" pitchFamily="50" charset="-127"/>
+            </a:endParaRPr>
+          </a:p>
+        </p:txBody>
+      </p:sp>
+      <p:sp>
+        <p:nvSpPr>
+          <p:cNvPr id="9" name="TextBox 8">
+            <a:extLst>
+              <a:ext uri="{FF2B5EF4-FFF2-40B4-BE49-F238E27FC236}">
+                <a16:creationId xmlns:a16="http://schemas.microsoft.com/office/drawing/2014/main" id="{EA256EF8-52E7-4F01-8731-0610F27747A4}"/>
+              </a:ext>
+            </a:extLst>
+          </p:cNvPr>
+          <p:cNvSpPr txBox="1"/>
+          <p:nvPr/>
+        </p:nvSpPr>
+        <p:spPr>
+          <a:xfrm>
+            <a:off x="3038474" y="454581"/>
+            <a:ext cx="1134670" cy="369332"/>
+          </a:xfrm>
+          <a:prstGeom prst="rect">
+            <a:avLst/>
+          </a:prstGeom>
+          <a:noFill/>
+        </p:spPr>
+        <p:txBody>
+          <a:bodyPr wrap="none" rtlCol="0">
+            <a:spAutoFit/>
+          </a:bodyPr>
+          <a:lstStyle/>
+          <a:p>
+            <a:r>
+              <a:rPr lang="en-US" altLang="ko-KR" dirty="0">
+                <a:latin typeface="SpoqaHanSans-Bold" panose="020B0800000000000000" pitchFamily="50" charset="-127"/>
+                <a:ea typeface="SpoqaHanSans-Bold" panose="020B0800000000000000" pitchFamily="50" charset="-127"/>
+              </a:rPr>
+              <a:t>(Yes/No)</a:t>
+            </a:r>
+            <a:endParaRPr lang="ko-KR" altLang="en-US" dirty="0">
+              <a:latin typeface="SpoqaHanSans-Bold" panose="020B0800000000000000" pitchFamily="50" charset="-127"/>
+              <a:ea typeface="SpoqaHanSans-Bold" panose="020B0800000000000000" pitchFamily="50" charset="-127"/>
+            </a:endParaRPr>
+          </a:p>
+        </p:txBody>
+      </p:sp>
+      <p:sp>
+        <p:nvSpPr>
+          <p:cNvPr id="10" name="TextBox 9">
+            <a:extLst>
+              <a:ext uri="{FF2B5EF4-FFF2-40B4-BE49-F238E27FC236}">
+                <a16:creationId xmlns:a16="http://schemas.microsoft.com/office/drawing/2014/main" id="{A3EF2DD8-7BE1-4EB4-BE9B-CFA6D02CB311}"/>
+              </a:ext>
+            </a:extLst>
+          </p:cNvPr>
+          <p:cNvSpPr txBox="1"/>
+          <p:nvPr/>
+        </p:nvSpPr>
+        <p:spPr>
+          <a:xfrm>
+            <a:off x="3038474" y="1068943"/>
+            <a:ext cx="3525324" cy="369332"/>
+          </a:xfrm>
+          <a:prstGeom prst="rect">
+            <a:avLst/>
+          </a:prstGeom>
+          <a:noFill/>
+        </p:spPr>
+        <p:txBody>
+          <a:bodyPr wrap="none" rtlCol="0">
+            <a:spAutoFit/>
+          </a:bodyPr>
+          <a:lstStyle/>
+          <a:p>
+            <a:r>
+              <a:rPr lang="en-US" altLang="ko-KR" dirty="0">
+                <a:latin typeface="SpoqaHanSans-Bold" panose="020B0800000000000000" pitchFamily="50" charset="-127"/>
+                <a:ea typeface="SpoqaHanSans-Bold" panose="020B0800000000000000" pitchFamily="50" charset="-127"/>
+              </a:rPr>
+              <a:t>(1</a:t>
+            </a:r>
+            <a:r>
+              <a:rPr lang="ko-KR" altLang="en-US" dirty="0">
+                <a:latin typeface="SpoqaHanSans-Bold" panose="020B0800000000000000" pitchFamily="50" charset="-127"/>
+                <a:ea typeface="SpoqaHanSans-Bold" panose="020B0800000000000000" pitchFamily="50" charset="-127"/>
+              </a:rPr>
+              <a:t>일</a:t>
+            </a:r>
+            <a:r>
+              <a:rPr lang="en-US" altLang="ko-KR" dirty="0">
+                <a:latin typeface="SpoqaHanSans-Bold" panose="020B0800000000000000" pitchFamily="50" charset="-127"/>
+                <a:ea typeface="SpoqaHanSans-Bold" panose="020B0800000000000000" pitchFamily="50" charset="-127"/>
+              </a:rPr>
+              <a:t>/1-7</a:t>
+            </a:r>
+            <a:r>
+              <a:rPr lang="ko-KR" altLang="en-US" dirty="0">
+                <a:latin typeface="SpoqaHanSans-Bold" panose="020B0800000000000000" pitchFamily="50" charset="-127"/>
+                <a:ea typeface="SpoqaHanSans-Bold" panose="020B0800000000000000" pitchFamily="50" charset="-127"/>
+              </a:rPr>
+              <a:t>일</a:t>
+            </a:r>
+            <a:r>
+              <a:rPr lang="en-US" altLang="ko-KR" dirty="0">
+                <a:latin typeface="SpoqaHanSans-Bold" panose="020B0800000000000000" pitchFamily="50" charset="-127"/>
+                <a:ea typeface="SpoqaHanSans-Bold" panose="020B0800000000000000" pitchFamily="50" charset="-127"/>
+              </a:rPr>
+              <a:t>/7</a:t>
+            </a:r>
+            <a:r>
+              <a:rPr lang="ko-KR" altLang="en-US" dirty="0">
+                <a:latin typeface="SpoqaHanSans-Bold" panose="020B0800000000000000" pitchFamily="50" charset="-127"/>
+                <a:ea typeface="SpoqaHanSans-Bold" panose="020B0800000000000000" pitchFamily="50" charset="-127"/>
+              </a:rPr>
+              <a:t>일</a:t>
+            </a:r>
+            <a:r>
+              <a:rPr lang="en-US" altLang="ko-KR" dirty="0">
+                <a:latin typeface="SpoqaHanSans-Bold" panose="020B0800000000000000" pitchFamily="50" charset="-127"/>
+                <a:ea typeface="SpoqaHanSans-Bold" panose="020B0800000000000000" pitchFamily="50" charset="-127"/>
+              </a:rPr>
+              <a:t>-30</a:t>
+            </a:r>
+            <a:r>
+              <a:rPr lang="ko-KR" altLang="en-US" dirty="0">
+                <a:latin typeface="SpoqaHanSans-Bold" panose="020B0800000000000000" pitchFamily="50" charset="-127"/>
+                <a:ea typeface="SpoqaHanSans-Bold" panose="020B0800000000000000" pitchFamily="50" charset="-127"/>
+              </a:rPr>
+              <a:t>일</a:t>
+            </a:r>
+            <a:r>
+              <a:rPr lang="en-US" altLang="ko-KR" dirty="0">
+                <a:latin typeface="SpoqaHanSans-Bold" panose="020B0800000000000000" pitchFamily="50" charset="-127"/>
+                <a:ea typeface="SpoqaHanSans-Bold" panose="020B0800000000000000" pitchFamily="50" charset="-127"/>
+              </a:rPr>
+              <a:t>/30</a:t>
+            </a:r>
+            <a:r>
+              <a:rPr lang="ko-KR" altLang="en-US" dirty="0">
+                <a:latin typeface="SpoqaHanSans-Bold" panose="020B0800000000000000" pitchFamily="50" charset="-127"/>
+                <a:ea typeface="SpoqaHanSans-Bold" panose="020B0800000000000000" pitchFamily="50" charset="-127"/>
+              </a:rPr>
+              <a:t>일 이상</a:t>
+            </a:r>
+            <a:r>
+              <a:rPr lang="en-US" altLang="ko-KR" dirty="0">
+                <a:latin typeface="SpoqaHanSans-Bold" panose="020B0800000000000000" pitchFamily="50" charset="-127"/>
+                <a:ea typeface="SpoqaHanSans-Bold" panose="020B0800000000000000" pitchFamily="50" charset="-127"/>
+              </a:rPr>
+              <a:t>)</a:t>
+            </a:r>
+            <a:endParaRPr lang="ko-KR" altLang="en-US" dirty="0">
+              <a:latin typeface="SpoqaHanSans-Bold" panose="020B0800000000000000" pitchFamily="50" charset="-127"/>
+              <a:ea typeface="SpoqaHanSans-Bold" panose="020B0800000000000000" pitchFamily="50" charset="-127"/>
+            </a:endParaRPr>
+          </a:p>
+        </p:txBody>
+      </p:sp>
+      <p:sp>
+        <p:nvSpPr>
+          <p:cNvPr id="11" name="TextBox 10">
+            <a:extLst>
+              <a:ext uri="{FF2B5EF4-FFF2-40B4-BE49-F238E27FC236}">
+                <a16:creationId xmlns:a16="http://schemas.microsoft.com/office/drawing/2014/main" id="{3ED9573F-8B0F-46D9-9650-3B1388F12C53}"/>
+              </a:ext>
+            </a:extLst>
+          </p:cNvPr>
+          <p:cNvSpPr txBox="1"/>
+          <p:nvPr/>
+        </p:nvSpPr>
+        <p:spPr>
+          <a:xfrm>
+            <a:off x="3038474" y="1702355"/>
+            <a:ext cx="1134670" cy="369332"/>
+          </a:xfrm>
+          <a:prstGeom prst="rect">
+            <a:avLst/>
+          </a:prstGeom>
+          <a:noFill/>
+        </p:spPr>
+        <p:txBody>
+          <a:bodyPr wrap="none" rtlCol="0">
+            <a:spAutoFit/>
+          </a:bodyPr>
+          <a:lstStyle/>
+          <a:p>
+            <a:r>
+              <a:rPr lang="en-US" altLang="ko-KR" dirty="0">
+                <a:latin typeface="SpoqaHanSans-Bold" panose="020B0800000000000000" pitchFamily="50" charset="-127"/>
+                <a:ea typeface="SpoqaHanSans-Bold" panose="020B0800000000000000" pitchFamily="50" charset="-127"/>
+              </a:rPr>
+              <a:t>(Yes/No)</a:t>
+            </a:r>
+            <a:endParaRPr lang="ko-KR" altLang="en-US" dirty="0">
+              <a:latin typeface="SpoqaHanSans-Bold" panose="020B0800000000000000" pitchFamily="50" charset="-127"/>
+              <a:ea typeface="SpoqaHanSans-Bold" panose="020B0800000000000000" pitchFamily="50" charset="-127"/>
+            </a:endParaRPr>
+          </a:p>
+        </p:txBody>
+      </p:sp>
+      <p:sp>
+        <p:nvSpPr>
+          <p:cNvPr id="12" name="TextBox 11">
+            <a:extLst>
+              <a:ext uri="{FF2B5EF4-FFF2-40B4-BE49-F238E27FC236}">
+                <a16:creationId xmlns:a16="http://schemas.microsoft.com/office/drawing/2014/main" id="{FD247ECD-920E-4C10-998E-4CDF824C06C4}"/>
+              </a:ext>
+            </a:extLst>
+          </p:cNvPr>
+          <p:cNvSpPr txBox="1"/>
+          <p:nvPr/>
+        </p:nvSpPr>
+        <p:spPr>
+          <a:xfrm>
+            <a:off x="3038474" y="2335768"/>
+            <a:ext cx="1134670" cy="369332"/>
+          </a:xfrm>
+          <a:prstGeom prst="rect">
+            <a:avLst/>
+          </a:prstGeom>
+          <a:noFill/>
+        </p:spPr>
+        <p:txBody>
+          <a:bodyPr wrap="none" rtlCol="0">
+            <a:spAutoFit/>
+          </a:bodyPr>
+          <a:lstStyle/>
+          <a:p>
+            <a:r>
+              <a:rPr lang="en-US" altLang="ko-KR" dirty="0">
+                <a:latin typeface="SpoqaHanSans-Bold" panose="020B0800000000000000" pitchFamily="50" charset="-127"/>
+                <a:ea typeface="SpoqaHanSans-Bold" panose="020B0800000000000000" pitchFamily="50" charset="-127"/>
+              </a:rPr>
+              <a:t>(Yes/No)</a:t>
+            </a:r>
+            <a:endParaRPr lang="ko-KR" altLang="en-US" dirty="0">
+              <a:latin typeface="SpoqaHanSans-Bold" panose="020B0800000000000000" pitchFamily="50" charset="-127"/>
+              <a:ea typeface="SpoqaHanSans-Bold" panose="020B0800000000000000" pitchFamily="50" charset="-127"/>
+            </a:endParaRPr>
+          </a:p>
+        </p:txBody>
+      </p:sp>
+      <p:sp>
+        <p:nvSpPr>
+          <p:cNvPr id="13" name="TextBox 12">
+            <a:extLst>
+              <a:ext uri="{FF2B5EF4-FFF2-40B4-BE49-F238E27FC236}">
+                <a16:creationId xmlns:a16="http://schemas.microsoft.com/office/drawing/2014/main" id="{2C6F9CD8-67AA-4539-A720-280ED9E0F15E}"/>
+              </a:ext>
+            </a:extLst>
+          </p:cNvPr>
+          <p:cNvSpPr txBox="1"/>
+          <p:nvPr/>
+        </p:nvSpPr>
+        <p:spPr>
+          <a:xfrm>
+            <a:off x="8045047" y="1704497"/>
+            <a:ext cx="1134670" cy="369332"/>
+          </a:xfrm>
+          <a:prstGeom prst="rect">
+            <a:avLst/>
+          </a:prstGeom>
+          <a:noFill/>
+        </p:spPr>
+        <p:txBody>
+          <a:bodyPr wrap="none" rtlCol="0">
+            <a:spAutoFit/>
+          </a:bodyPr>
+          <a:lstStyle/>
+          <a:p>
+            <a:r>
+              <a:rPr lang="en-US" altLang="ko-KR" dirty="0">
+                <a:latin typeface="SpoqaHanSans-Bold" panose="020B0800000000000000" pitchFamily="50" charset="-127"/>
+                <a:ea typeface="SpoqaHanSans-Bold" panose="020B0800000000000000" pitchFamily="50" charset="-127"/>
+              </a:rPr>
+              <a:t>(Yes/No)</a:t>
+            </a:r>
+            <a:endParaRPr lang="ko-KR" altLang="en-US" dirty="0">
+              <a:latin typeface="SpoqaHanSans-Bold" panose="020B0800000000000000" pitchFamily="50" charset="-127"/>
+              <a:ea typeface="SpoqaHanSans-Bold" panose="020B0800000000000000" pitchFamily="50" charset="-127"/>
+            </a:endParaRPr>
+          </a:p>
+        </p:txBody>
+      </p:sp>
+    </p:spTree>
+    <p:extLst>
+      <p:ext uri="{BB962C8B-B14F-4D97-AF65-F5344CB8AC3E}">
+        <p14:creationId xmlns:p14="http://schemas.microsoft.com/office/powerpoint/2010/main" val="3966262949"/>
+      </p:ext>
+    </p:extLst>
+  </p:cSld>
+  <p:clrMapOvr>
+    <a:masterClrMapping/>
+  </p:clrMapOvr>
+</p:sld>
+</file>
+
 <file path=ppt/theme/theme1.xml><?xml version="1.0" encoding="utf-8"?>
 <a:theme xmlns:a="http://schemas.openxmlformats.org/drawingml/2006/main" name="Office 테마">
   <a:themeElements>
